--- a/teaching/Presentation_Requirements and Prototyping.pptx
+++ b/teaching/Presentation_Requirements and Prototyping.pptx
@@ -3753,7 +3753,7 @@
           <a:p>
             <a:r>
               <a:rPr lang="en-GB" dirty="0"/>
-              <a:t>2 minute</a:t>
+              <a:t>2 minutes</a:t>
             </a:r>
           </a:p>
         </p:txBody>
@@ -4248,6 +4248,12 @@
 </file>
 
 <file path=customXml/item2.xml><?xml version="1.0" encoding="utf-8"?>
+<p:properties xmlns:p="http://schemas.microsoft.com/office/2006/metadata/properties" xmlns:xsi="http://www.w3.org/2001/XMLSchema-instance" xmlns:pc="http://schemas.microsoft.com/office/infopath/2007/PartnerControls">
+  <documentManagement/>
+</p:properties>
+</file>
+
+<file path=customXml/item3.xml><?xml version="1.0" encoding="utf-8"?>
 <ct:contentTypeSchema xmlns:ct="http://schemas.microsoft.com/office/2006/metadata/contentType" xmlns:ma="http://schemas.microsoft.com/office/2006/metadata/properties/metaAttributes" ct:_="" ma:_="" ma:contentTypeName="Document" ma:contentTypeID="0x010100550506F86DD9344FA957611705A11A67" ma:contentTypeVersion="3" ma:contentTypeDescription="Create a new document." ma:contentTypeScope="" ma:versionID="8c18930646a3a96ba5c564d3414019a3">
   <xsd:schema xmlns:xsd="http://www.w3.org/2001/XMLSchema" xmlns:xs="http://www.w3.org/2001/XMLSchema" xmlns:p="http://schemas.microsoft.com/office/2006/metadata/properties" xmlns:ns2="352c90c6-b363-476c-81f3-b73e7a409da2" targetNamespace="http://schemas.microsoft.com/office/2006/metadata/properties" ma:root="true" ma:fieldsID="fc4f8370856660397718f979d2bdef61" ns2:_="">
     <xsd:import namespace="352c90c6-b363-476c-81f3-b73e7a409da2"/>
@@ -4385,12 +4391,6 @@
 </ct:contentTypeSchema>
 </file>
 
-<file path=customXml/item3.xml><?xml version="1.0" encoding="utf-8"?>
-<p:properties xmlns:p="http://schemas.microsoft.com/office/2006/metadata/properties" xmlns:xsi="http://www.w3.org/2001/XMLSchema-instance" xmlns:pc="http://schemas.microsoft.com/office/infopath/2007/PartnerControls">
-  <documentManagement/>
-</p:properties>
-</file>
-
 <file path=customXml/itemProps1.xml><?xml version="1.0" encoding="utf-8"?>
 <ds:datastoreItem xmlns:ds="http://schemas.openxmlformats.org/officeDocument/2006/customXml" ds:itemID="{C2AC5543-6FE5-4D18-8C3B-ADEF19D47181}">
   <ds:schemaRefs>
@@ -4400,6 +4400,15 @@
 </file>
 
 <file path=customXml/itemProps2.xml><?xml version="1.0" encoding="utf-8"?>
+<ds:datastoreItem xmlns:ds="http://schemas.openxmlformats.org/officeDocument/2006/customXml" ds:itemID="{3EA2C65F-0B44-45C5-848A-0F2CC2967044}">
+  <ds:schemaRefs>
+    <ds:schemaRef ds:uri="http://schemas.microsoft.com/office/2006/metadata/properties"/>
+    <ds:schemaRef ds:uri="http://schemas.microsoft.com/office/infopath/2007/PartnerControls"/>
+  </ds:schemaRefs>
+</ds:datastoreItem>
+</file>
+
+<file path=customXml/itemProps3.xml><?xml version="1.0" encoding="utf-8"?>
 <ds:datastoreItem xmlns:ds="http://schemas.openxmlformats.org/officeDocument/2006/customXml" ds:itemID="{409EEB4A-98C1-423A-8194-B6A78EDB6420}">
   <ds:schemaRefs>
     <ds:schemaRef ds:uri="http://schemas.microsoft.com/office/2006/metadata/contentType"/>
@@ -4415,13 +4424,4 @@
     <ds:schemaRef ds:uri="http://schemas.microsoft.com/internal/obd"/>
   </ds:schemaRefs>
 </ds:datastoreItem>
-</file>
-
-<file path=customXml/itemProps3.xml><?xml version="1.0" encoding="utf-8"?>
-<ds:datastoreItem xmlns:ds="http://schemas.openxmlformats.org/officeDocument/2006/customXml" ds:itemID="{3EA2C65F-0B44-45C5-848A-0F2CC2967044}">
-  <ds:schemaRefs>
-    <ds:schemaRef ds:uri="http://schemas.microsoft.com/office/2006/metadata/properties"/>
-    <ds:schemaRef ds:uri="http://schemas.microsoft.com/office/infopath/2007/PartnerControls"/>
-  </ds:schemaRefs>
-</ds:datastoreItem>
 </file>